--- a/doc/5243 project 5.pptx
+++ b/doc/5243 project 5.pptx
@@ -24821,97 +24821,6 @@
       </p:grpSpPr>
       <p:sp>
         <p:nvSpPr>
-          <p:cNvPr id="7170" name="Shape 27">
-            <a:extLst>
-              <a:ext uri="{FF2B5EF4-FFF2-40B4-BE49-F238E27FC236}">
-                <a16:creationId xmlns:a16="http://schemas.microsoft.com/office/drawing/2014/main" id="{9281C19F-CFBB-4329-ADC8-33DE083C04FE}"/>
-              </a:ext>
-            </a:extLst>
-          </p:cNvPr>
-          <p:cNvSpPr txBox="1">
-            <a:spLocks noGrp="1" noChangeArrowheads="1"/>
-          </p:cNvSpPr>
-          <p:nvPr>
-            <p:ph type="title"/>
-          </p:nvPr>
-        </p:nvSpPr>
-        <p:spPr bwMode="auto">
-          <a:xfrm>
-            <a:off x="908051" y="457200"/>
-            <a:ext cx="11362267" cy="764117"/>
-          </a:xfrm>
-          <a:noFill/>
-          <a:extLst>
-            <a:ext uri="{909E8E84-426E-40DD-AFC4-6F175D3DCCD1}">
-              <a14:hiddenFill xmlns:a14="http://schemas.microsoft.com/office/drawing/2010/main">
-                <a:solidFill>
-                  <a:srgbClr val="FFFFFF"/>
-                </a:solidFill>
-              </a14:hiddenFill>
-            </a:ext>
-            <a:ext uri="{91240B29-F687-4F45-9708-019B960494DF}">
-              <a14:hiddenLine xmlns:a14="http://schemas.microsoft.com/office/drawing/2010/main" w="9525">
-                <a:solidFill>
-                  <a:srgbClr val="000000"/>
-                </a:solidFill>
-                <a:miter lim="800000"/>
-                <a:headEnd/>
-                <a:tailEnd/>
-              </a14:hiddenLine>
-            </a:ext>
-          </a:extLst>
-        </p:spPr>
-        <p:txBody>
-          <a:bodyPr vert="horz" numCol="1" compatLnSpc="1">
-            <a:prstTxWarp prst="textNoShape">
-              <a:avLst/>
-            </a:prstTxWarp>
-          </a:bodyPr>
-          <a:lstStyle/>
-          <a:p>
-            <a:pPr eaLnBrk="1" hangingPunct="1">
-              <a:spcBef>
-                <a:spcPct val="0"/>
-              </a:spcBef>
-              <a:spcAft>
-                <a:spcPct val="0"/>
-              </a:spcAft>
-              <a:buFont typeface="Arial" panose="020B0604020202020204" pitchFamily="34" charset="0"/>
-              <a:buNone/>
-            </a:pPr>
-            <a:r>
-              <a:rPr lang="zh-CN" altLang="en-US" sz="4000" b="1" dirty="0">
-                <a:effectLst>
-                  <a:outerShdw blurRad="38100" dist="38100" dir="2700000" algn="tl">
-                    <a:srgbClr val="000000">
-                      <a:alpha val="43137"/>
-                    </a:srgbClr>
-                  </a:outerShdw>
-                </a:effectLst>
-                <a:latin typeface="+mj-lt"/>
-                <a:ea typeface="SimSun" panose="02010600030101010101" pitchFamily="2" charset="-122"/>
-                <a:cs typeface="Arial" panose="020B0604020202020204" pitchFamily="34" charset="0"/>
-                <a:sym typeface="Arial" panose="020B0604020202020204" pitchFamily="34" charset="0"/>
-              </a:rPr>
-              <a:t>Our Goal</a:t>
-            </a:r>
-            <a:endParaRPr lang="en-US" altLang="en-US" sz="4000" b="1" dirty="0">
-              <a:effectLst>
-                <a:outerShdw blurRad="38100" dist="38100" dir="2700000" algn="tl">
-                  <a:srgbClr val="000000">
-                    <a:alpha val="43137"/>
-                  </a:srgbClr>
-                </a:outerShdw>
-              </a:effectLst>
-              <a:latin typeface="+mj-lt"/>
-              <a:cs typeface="Arial" panose="020B0604020202020204" pitchFamily="34" charset="0"/>
-              <a:sym typeface="Arial" panose="020B0604020202020204" pitchFamily="34" charset="0"/>
-            </a:endParaRPr>
-          </a:p>
-        </p:txBody>
-      </p:sp>
-      <p:sp>
-        <p:nvSpPr>
           <p:cNvPr id="7171" name="Shape 28">
             <a:extLst>
               <a:ext uri="{FF2B5EF4-FFF2-40B4-BE49-F238E27FC236}">
@@ -24928,7 +24837,7 @@
         </p:nvSpPr>
         <p:spPr bwMode="auto">
           <a:xfrm>
-            <a:off x="414866" y="1559857"/>
+            <a:off x="205316" y="959782"/>
             <a:ext cx="11362267" cy="4555067"/>
           </a:xfrm>
           <a:noFill/>
